--- a/fppt.pptx
+++ b/fppt.pptx
@@ -111,7 +111,7 @@
   </p:defaultTextStyle>
   <p:extLst>
     <p:ext uri="{EFAFB233-063F-42B5-8137-9DF3F51BA10A}">
-      <p15:sldGuideLst xmlns="" xmlns:p15="http://schemas.microsoft.com/office/powerpoint/2012/main"/>
+      <p15:sldGuideLst xmlns:p15="http://schemas.microsoft.com/office/powerpoint/2012/main" xmlns=""/>
     </p:ext>
   </p:extLst>
 </p:presentation>
@@ -337,7 +337,7 @@
           <p:cNvPr id="8" name="Date Placeholder 7">
             <a:extLst>
               <a:ext uri="{FF2B5EF4-FFF2-40B4-BE49-F238E27FC236}">
-                <a16:creationId xmlns="" xmlns:a16="http://schemas.microsoft.com/office/drawing/2014/main" id="{7FA0ACE7-29A8-47D3-A7D9-257B711D8023}"/>
+                <a16:creationId xmlns:a16="http://schemas.microsoft.com/office/drawing/2014/main" xmlns="" id="{7FA0ACE7-29A8-47D3-A7D9-257B711D8023}"/>
               </a:ext>
             </a:extLst>
           </p:cNvPr>
@@ -367,7 +367,7 @@
           <p:cNvPr id="9" name="Footer Placeholder 8">
             <a:extLst>
               <a:ext uri="{FF2B5EF4-FFF2-40B4-BE49-F238E27FC236}">
-                <a16:creationId xmlns="" xmlns:a16="http://schemas.microsoft.com/office/drawing/2014/main" id="{DEC604B9-52E9-4810-8359-47206518D038}"/>
+                <a16:creationId xmlns:a16="http://schemas.microsoft.com/office/drawing/2014/main" xmlns="" id="{DEC604B9-52E9-4810-8359-47206518D038}"/>
               </a:ext>
             </a:extLst>
           </p:cNvPr>
@@ -392,7 +392,7 @@
           <p:cNvPr id="10" name="Slide Number Placeholder 9">
             <a:extLst>
               <a:ext uri="{FF2B5EF4-FFF2-40B4-BE49-F238E27FC236}">
-                <a16:creationId xmlns="" xmlns:a16="http://schemas.microsoft.com/office/drawing/2014/main" id="{5898A89F-CA25-400F-B05A-AECBF2517E4F}"/>
+                <a16:creationId xmlns:a16="http://schemas.microsoft.com/office/drawing/2014/main" xmlns="" id="{5898A89F-CA25-400F-B05A-AECBF2517E4F}"/>
               </a:ext>
             </a:extLst>
           </p:cNvPr>
@@ -420,7 +420,7 @@
     </p:spTree>
     <p:extLst>
       <p:ext uri="{BB962C8B-B14F-4D97-AF65-F5344CB8AC3E}">
-        <p14:creationId xmlns="" xmlns:p14="http://schemas.microsoft.com/office/powerpoint/2010/main" val="1689346634"/>
+        <p14:creationId xmlns:p14="http://schemas.microsoft.com/office/powerpoint/2010/main" xmlns="" val="1689346634"/>
       </p:ext>
     </p:extLst>
   </p:cSld>
@@ -613,7 +613,7 @@
     </p:spTree>
     <p:extLst>
       <p:ext uri="{BB962C8B-B14F-4D97-AF65-F5344CB8AC3E}">
-        <p14:creationId xmlns="" xmlns:p14="http://schemas.microsoft.com/office/powerpoint/2010/main" val="1023611765"/>
+        <p14:creationId xmlns:p14="http://schemas.microsoft.com/office/powerpoint/2010/main" xmlns="" val="1023611765"/>
       </p:ext>
     </p:extLst>
   </p:cSld>
@@ -777,7 +777,7 @@
           <p:cNvPr id="8" name="Rectangle 7">
             <a:extLst>
               <a:ext uri="{FF2B5EF4-FFF2-40B4-BE49-F238E27FC236}">
-                <a16:creationId xmlns="" xmlns:a16="http://schemas.microsoft.com/office/drawing/2014/main" id="{F6423B97-A5D4-47B9-8861-73B3707A04CF}"/>
+                <a16:creationId xmlns:a16="http://schemas.microsoft.com/office/drawing/2014/main" xmlns="" id="{F6423B97-A5D4-47B9-8861-73B3707A04CF}"/>
               </a:ext>
             </a:extLst>
           </p:cNvPr>
@@ -820,7 +820,7 @@
           <p:cNvPr id="9" name="Rectangle 8">
             <a:extLst>
               <a:ext uri="{FF2B5EF4-FFF2-40B4-BE49-F238E27FC236}">
-                <a16:creationId xmlns="" xmlns:a16="http://schemas.microsoft.com/office/drawing/2014/main" id="{1AEC0421-37B4-4481-A10D-69FDF5EC7909}"/>
+                <a16:creationId xmlns:a16="http://schemas.microsoft.com/office/drawing/2014/main" xmlns="" id="{1AEC0421-37B4-4481-A10D-69FDF5EC7909}"/>
               </a:ext>
             </a:extLst>
           </p:cNvPr>
@@ -863,7 +863,7 @@
           <p:cNvPr id="10" name="Rectangle 9">
             <a:extLst>
               <a:ext uri="{FF2B5EF4-FFF2-40B4-BE49-F238E27FC236}">
-                <a16:creationId xmlns="" xmlns:a16="http://schemas.microsoft.com/office/drawing/2014/main" id="{5F7265B5-9F97-4F1E-99E9-74F7B7E62337}"/>
+                <a16:creationId xmlns:a16="http://schemas.microsoft.com/office/drawing/2014/main" xmlns="" id="{5F7265B5-9F97-4F1E-99E9-74F7B7E62337}"/>
               </a:ext>
             </a:extLst>
           </p:cNvPr>
@@ -906,7 +906,7 @@
           <p:cNvPr id="11" name="Date Placeholder 10">
             <a:extLst>
               <a:ext uri="{FF2B5EF4-FFF2-40B4-BE49-F238E27FC236}">
-                <a16:creationId xmlns="" xmlns:a16="http://schemas.microsoft.com/office/drawing/2014/main" id="{5C74A470-3BD3-4F33-80E5-67E6E87FCBE7}"/>
+                <a16:creationId xmlns:a16="http://schemas.microsoft.com/office/drawing/2014/main" xmlns="" id="{5C74A470-3BD3-4F33-80E5-67E6E87FCBE7}"/>
               </a:ext>
             </a:extLst>
           </p:cNvPr>
@@ -936,7 +936,7 @@
           <p:cNvPr id="12" name="Footer Placeholder 11">
             <a:extLst>
               <a:ext uri="{FF2B5EF4-FFF2-40B4-BE49-F238E27FC236}">
-                <a16:creationId xmlns="" xmlns:a16="http://schemas.microsoft.com/office/drawing/2014/main" id="{9A3A30BA-DB50-4D7D-BCDE-17D20FB354DF}"/>
+                <a16:creationId xmlns:a16="http://schemas.microsoft.com/office/drawing/2014/main" xmlns="" id="{9A3A30BA-DB50-4D7D-BCDE-17D20FB354DF}"/>
               </a:ext>
             </a:extLst>
           </p:cNvPr>
@@ -961,7 +961,7 @@
           <p:cNvPr id="13" name="Slide Number Placeholder 12">
             <a:extLst>
               <a:ext uri="{FF2B5EF4-FFF2-40B4-BE49-F238E27FC236}">
-                <a16:creationId xmlns="" xmlns:a16="http://schemas.microsoft.com/office/drawing/2014/main" id="{76FF9E58-C0B2-436B-A21C-DB45A00D6515}"/>
+                <a16:creationId xmlns:a16="http://schemas.microsoft.com/office/drawing/2014/main" xmlns="" id="{76FF9E58-C0B2-436B-A21C-DB45A00D6515}"/>
               </a:ext>
             </a:extLst>
           </p:cNvPr>
@@ -989,7 +989,7 @@
     </p:spTree>
     <p:extLst>
       <p:ext uri="{BB962C8B-B14F-4D97-AF65-F5344CB8AC3E}">
-        <p14:creationId xmlns="" xmlns:p14="http://schemas.microsoft.com/office/powerpoint/2010/main" val="3783975248"/>
+        <p14:creationId xmlns:p14="http://schemas.microsoft.com/office/powerpoint/2010/main" xmlns="" val="3783975248"/>
       </p:ext>
     </p:extLst>
   </p:cSld>
@@ -1106,7 +1106,7 @@
           <p:cNvPr id="8" name="Date Placeholder 7">
             <a:extLst>
               <a:ext uri="{FF2B5EF4-FFF2-40B4-BE49-F238E27FC236}">
-                <a16:creationId xmlns="" xmlns:a16="http://schemas.microsoft.com/office/drawing/2014/main" id="{770E6237-3456-439F-802D-3BA93FC7E3E5}"/>
+                <a16:creationId xmlns:a16="http://schemas.microsoft.com/office/drawing/2014/main" xmlns="" id="{770E6237-3456-439F-802D-3BA93FC7E3E5}"/>
               </a:ext>
             </a:extLst>
           </p:cNvPr>
@@ -1136,7 +1136,7 @@
           <p:cNvPr id="9" name="Footer Placeholder 8">
             <a:extLst>
               <a:ext uri="{FF2B5EF4-FFF2-40B4-BE49-F238E27FC236}">
-                <a16:creationId xmlns="" xmlns:a16="http://schemas.microsoft.com/office/drawing/2014/main" id="{1356D3B5-6063-4A89-B88F-9D3043916FF8}"/>
+                <a16:creationId xmlns:a16="http://schemas.microsoft.com/office/drawing/2014/main" xmlns="" id="{1356D3B5-6063-4A89-B88F-9D3043916FF8}"/>
               </a:ext>
             </a:extLst>
           </p:cNvPr>
@@ -1161,7 +1161,7 @@
           <p:cNvPr id="10" name="Slide Number Placeholder 9">
             <a:extLst>
               <a:ext uri="{FF2B5EF4-FFF2-40B4-BE49-F238E27FC236}">
-                <a16:creationId xmlns="" xmlns:a16="http://schemas.microsoft.com/office/drawing/2014/main" id="{02B78BF7-69D3-4CE0-A631-50EFD41EEEB8}"/>
+                <a16:creationId xmlns:a16="http://schemas.microsoft.com/office/drawing/2014/main" xmlns="" id="{02B78BF7-69D3-4CE0-A631-50EFD41EEEB8}"/>
               </a:ext>
             </a:extLst>
           </p:cNvPr>
@@ -1189,7 +1189,7 @@
     </p:spTree>
     <p:extLst>
       <p:ext uri="{BB962C8B-B14F-4D97-AF65-F5344CB8AC3E}">
-        <p14:creationId xmlns="" xmlns:p14="http://schemas.microsoft.com/office/powerpoint/2010/main" val="1616673053"/>
+        <p14:creationId xmlns:p14="http://schemas.microsoft.com/office/powerpoint/2010/main" xmlns="" val="1616673053"/>
       </p:ext>
     </p:extLst>
   </p:cSld>
@@ -1420,7 +1420,7 @@
           <p:cNvPr id="7" name="Date Placeholder 6">
             <a:extLst>
               <a:ext uri="{FF2B5EF4-FFF2-40B4-BE49-F238E27FC236}">
-                <a16:creationId xmlns="" xmlns:a16="http://schemas.microsoft.com/office/drawing/2014/main" id="{61582016-5696-4A93-887F-BBB3B9002FE5}"/>
+                <a16:creationId xmlns:a16="http://schemas.microsoft.com/office/drawing/2014/main" xmlns="" id="{61582016-5696-4A93-887F-BBB3B9002FE5}"/>
               </a:ext>
             </a:extLst>
           </p:cNvPr>
@@ -1450,7 +1450,7 @@
           <p:cNvPr id="9" name="Footer Placeholder 8">
             <a:extLst>
               <a:ext uri="{FF2B5EF4-FFF2-40B4-BE49-F238E27FC236}">
-                <a16:creationId xmlns="" xmlns:a16="http://schemas.microsoft.com/office/drawing/2014/main" id="{857CFCD5-1192-4E18-8A8F-29E153B44DA4}"/>
+                <a16:creationId xmlns:a16="http://schemas.microsoft.com/office/drawing/2014/main" xmlns="" id="{857CFCD5-1192-4E18-8A8F-29E153B44DA4}"/>
               </a:ext>
             </a:extLst>
           </p:cNvPr>
@@ -1475,7 +1475,7 @@
           <p:cNvPr id="10" name="Slide Number Placeholder 9">
             <a:extLst>
               <a:ext uri="{FF2B5EF4-FFF2-40B4-BE49-F238E27FC236}">
-                <a16:creationId xmlns="" xmlns:a16="http://schemas.microsoft.com/office/drawing/2014/main" id="{E39A109E-5018-4794-92B3-FD5E5BCD95E8}"/>
+                <a16:creationId xmlns:a16="http://schemas.microsoft.com/office/drawing/2014/main" xmlns="" id="{E39A109E-5018-4794-92B3-FD5E5BCD95E8}"/>
               </a:ext>
             </a:extLst>
           </p:cNvPr>
@@ -1503,7 +1503,7 @@
     </p:spTree>
     <p:extLst>
       <p:ext uri="{BB962C8B-B14F-4D97-AF65-F5344CB8AC3E}">
-        <p14:creationId xmlns="" xmlns:p14="http://schemas.microsoft.com/office/powerpoint/2010/main" val="1171781761"/>
+        <p14:creationId xmlns:p14="http://schemas.microsoft.com/office/powerpoint/2010/main" xmlns="" val="1171781761"/>
       </p:ext>
     </p:extLst>
   </p:cSld>
@@ -1746,7 +1746,7 @@
     </p:spTree>
     <p:extLst>
       <p:ext uri="{BB962C8B-B14F-4D97-AF65-F5344CB8AC3E}">
-        <p14:creationId xmlns="" xmlns:p14="http://schemas.microsoft.com/office/powerpoint/2010/main" val="1720844098"/>
+        <p14:creationId xmlns:p14="http://schemas.microsoft.com/office/powerpoint/2010/main" xmlns="" val="1720844098"/>
       </p:ext>
     </p:extLst>
   </p:cSld>
@@ -2170,7 +2170,7 @@
     </p:spTree>
     <p:extLst>
       <p:ext uri="{BB962C8B-B14F-4D97-AF65-F5344CB8AC3E}">
-        <p14:creationId xmlns="" xmlns:p14="http://schemas.microsoft.com/office/powerpoint/2010/main" val="643050465"/>
+        <p14:creationId xmlns:p14="http://schemas.microsoft.com/office/powerpoint/2010/main" xmlns="" val="643050465"/>
       </p:ext>
     </p:extLst>
   </p:cSld>
@@ -2295,7 +2295,7 @@
     </p:spTree>
     <p:extLst>
       <p:ext uri="{BB962C8B-B14F-4D97-AF65-F5344CB8AC3E}">
-        <p14:creationId xmlns="" xmlns:p14="http://schemas.microsoft.com/office/powerpoint/2010/main" val="4197245474"/>
+        <p14:creationId xmlns:p14="http://schemas.microsoft.com/office/powerpoint/2010/main" xmlns="" val="4197245474"/>
       </p:ext>
     </p:extLst>
   </p:cSld>
@@ -2392,7 +2392,7 @@
     </p:spTree>
     <p:extLst>
       <p:ext uri="{BB962C8B-B14F-4D97-AF65-F5344CB8AC3E}">
-        <p14:creationId xmlns="" xmlns:p14="http://schemas.microsoft.com/office/powerpoint/2010/main" val="3477419110"/>
+        <p14:creationId xmlns:p14="http://schemas.microsoft.com/office/powerpoint/2010/main" xmlns="" val="3477419110"/>
       </p:ext>
     </p:extLst>
   </p:cSld>
@@ -2695,7 +2695,7 @@
           <p:cNvPr id="8" name="Date Placeholder 7">
             <a:extLst>
               <a:ext uri="{FF2B5EF4-FFF2-40B4-BE49-F238E27FC236}">
-                <a16:creationId xmlns="" xmlns:a16="http://schemas.microsoft.com/office/drawing/2014/main" id="{0B919CC2-2A65-446F-B538-9E6249035445}"/>
+                <a16:creationId xmlns:a16="http://schemas.microsoft.com/office/drawing/2014/main" xmlns="" id="{0B919CC2-2A65-446F-B538-9E6249035445}"/>
               </a:ext>
             </a:extLst>
           </p:cNvPr>
@@ -2730,7 +2730,7 @@
           <p:cNvPr id="10" name="Footer Placeholder 9">
             <a:extLst>
               <a:ext uri="{FF2B5EF4-FFF2-40B4-BE49-F238E27FC236}">
-                <a16:creationId xmlns="" xmlns:a16="http://schemas.microsoft.com/office/drawing/2014/main" id="{B72412AE-119E-4982-8B24-63365EFCA796}"/>
+                <a16:creationId xmlns:a16="http://schemas.microsoft.com/office/drawing/2014/main" xmlns="" id="{B72412AE-119E-4982-8B24-63365EFCA796}"/>
               </a:ext>
             </a:extLst>
           </p:cNvPr>
@@ -2760,7 +2760,7 @@
           <p:cNvPr id="11" name="Slide Number Placeholder 10">
             <a:extLst>
               <a:ext uri="{FF2B5EF4-FFF2-40B4-BE49-F238E27FC236}">
-                <a16:creationId xmlns="" xmlns:a16="http://schemas.microsoft.com/office/drawing/2014/main" id="{7FC4BB19-6AD1-45CF-9F99-00B109890FAB}"/>
+                <a16:creationId xmlns:a16="http://schemas.microsoft.com/office/drawing/2014/main" xmlns="" id="{7FC4BB19-6AD1-45CF-9F99-00B109890FAB}"/>
               </a:ext>
             </a:extLst>
           </p:cNvPr>
@@ -2793,7 +2793,7 @@
     </p:spTree>
     <p:extLst>
       <p:ext uri="{BB962C8B-B14F-4D97-AF65-F5344CB8AC3E}">
-        <p14:creationId xmlns="" xmlns:p14="http://schemas.microsoft.com/office/powerpoint/2010/main" val="1782975784"/>
+        <p14:creationId xmlns:p14="http://schemas.microsoft.com/office/powerpoint/2010/main" xmlns="" val="1782975784"/>
       </p:ext>
     </p:extLst>
   </p:cSld>
@@ -3065,7 +3065,7 @@
     </p:spTree>
     <p:extLst>
       <p:ext uri="{BB962C8B-B14F-4D97-AF65-F5344CB8AC3E}">
-        <p14:creationId xmlns="" xmlns:p14="http://schemas.microsoft.com/office/powerpoint/2010/main" val="2621351987"/>
+        <p14:creationId xmlns:p14="http://schemas.microsoft.com/office/powerpoint/2010/main" xmlns="" val="2621351987"/>
       </p:ext>
     </p:extLst>
   </p:cSld>
@@ -3430,7 +3430,7 @@
     </p:spTree>
     <p:extLst>
       <p:ext uri="{BB962C8B-B14F-4D97-AF65-F5344CB8AC3E}">
-        <p14:creationId xmlns="" xmlns:p14="http://schemas.microsoft.com/office/powerpoint/2010/main" val="518843926"/>
+        <p14:creationId xmlns:p14="http://schemas.microsoft.com/office/powerpoint/2010/main" xmlns="" val="518843926"/>
       </p:ext>
     </p:extLst>
   </p:cSld>
@@ -3875,10 +3875,10 @@
           <p:cNvPr id="12" name="Rectangle 8">
             <a:extLst>
               <a:ext uri="{FF2B5EF4-FFF2-40B4-BE49-F238E27FC236}">
-                <a16:creationId xmlns="" xmlns:a16="http://schemas.microsoft.com/office/drawing/2014/main" id="{26B4480E-B7FF-4481-890E-043A69AE6FE2}"/>
+                <a16:creationId xmlns:a16="http://schemas.microsoft.com/office/drawing/2014/main" xmlns="" id="{26B4480E-B7FF-4481-890E-043A69AE6FE2}"/>
               </a:ext>
               <a:ext uri="{C183D7F6-B498-43B3-948B-1728B52AA6E4}">
-                <adec:decorative xmlns="" xmlns:adec="http://schemas.microsoft.com/office/drawing/2017/decorative" val="1"/>
+                <adec:decorative xmlns:adec="http://schemas.microsoft.com/office/drawing/2017/decorative" xmlns="" val="1"/>
               </a:ext>
             </a:extLst>
           </p:cNvPr>
@@ -3888,7 +3888,7 @@
           <p:nvPr>
             <p:extLst>
               <p:ext uri="{386F3935-93C4-4BCD-93E2-E3B085C9AB24}">
-                <p16:designElem xmlns="" xmlns:p16="http://schemas.microsoft.com/office/powerpoint/2015/main" val="1"/>
+                <p16:designElem xmlns:p16="http://schemas.microsoft.com/office/powerpoint/2015/main" xmlns="" val="1"/>
               </p:ext>
             </p:extLst>
           </p:nvPr>
@@ -3935,7 +3935,7 @@
           <p:cNvPr id="14" name="Picture 3">
             <a:extLst>
               <a:ext uri="{FF2B5EF4-FFF2-40B4-BE49-F238E27FC236}">
-                <a16:creationId xmlns="" xmlns:a16="http://schemas.microsoft.com/office/drawing/2014/main" id="{8AFBA856-3A24-4BE7-ABB4-79AAA4B67D2A}"/>
+                <a16:creationId xmlns:a16="http://schemas.microsoft.com/office/drawing/2014/main" xmlns="" id="{8AFBA856-3A24-4BE7-ABB4-79AAA4B67D2A}"/>
               </a:ext>
             </a:extLst>
           </p:cNvPr>
@@ -3964,10 +3964,10 @@
           <p:cNvPr id="11" name="Rectangle 10">
             <a:extLst>
               <a:ext uri="{FF2B5EF4-FFF2-40B4-BE49-F238E27FC236}">
-                <a16:creationId xmlns="" xmlns:a16="http://schemas.microsoft.com/office/drawing/2014/main" id="{64C13BAB-7C00-4D21-A857-E3D41C0A2A66}"/>
+                <a16:creationId xmlns:a16="http://schemas.microsoft.com/office/drawing/2014/main" xmlns="" id="{64C13BAB-7C00-4D21-A857-E3D41C0A2A66}"/>
               </a:ext>
               <a:ext uri="{C183D7F6-B498-43B3-948B-1728B52AA6E4}">
-                <adec:decorative xmlns="" xmlns:adec="http://schemas.microsoft.com/office/drawing/2017/decorative" val="1"/>
+                <adec:decorative xmlns:adec="http://schemas.microsoft.com/office/drawing/2017/decorative" xmlns="" val="1"/>
               </a:ext>
             </a:extLst>
           </p:cNvPr>
@@ -3977,7 +3977,7 @@
           <p:nvPr>
             <p:extLst>
               <p:ext uri="{386F3935-93C4-4BCD-93E2-E3B085C9AB24}">
-                <p16:designElem xmlns="" xmlns:p16="http://schemas.microsoft.com/office/powerpoint/2015/main" val="1"/>
+                <p16:designElem xmlns:p16="http://schemas.microsoft.com/office/powerpoint/2015/main" xmlns="" val="1"/>
               </p:ext>
             </p:extLst>
           </p:nvPr>
@@ -4018,10 +4018,10 @@
           <p:cNvPr id="13" name="Rectangle 12">
             <a:extLst>
               <a:ext uri="{FF2B5EF4-FFF2-40B4-BE49-F238E27FC236}">
-                <a16:creationId xmlns="" xmlns:a16="http://schemas.microsoft.com/office/drawing/2014/main" id="{1F1FF39A-AC3C-4066-9D4C-519AA22812EA}"/>
+                <a16:creationId xmlns:a16="http://schemas.microsoft.com/office/drawing/2014/main" xmlns="" id="{1F1FF39A-AC3C-4066-9D4C-519AA22812EA}"/>
               </a:ext>
               <a:ext uri="{C183D7F6-B498-43B3-948B-1728B52AA6E4}">
-                <adec:decorative xmlns="" xmlns:adec="http://schemas.microsoft.com/office/drawing/2017/decorative" val="1"/>
+                <adec:decorative xmlns:adec="http://schemas.microsoft.com/office/drawing/2017/decorative" xmlns="" val="1"/>
               </a:ext>
             </a:extLst>
           </p:cNvPr>
@@ -4031,7 +4031,7 @@
           <p:nvPr>
             <p:extLst>
               <p:ext uri="{386F3935-93C4-4BCD-93E2-E3B085C9AB24}">
-                <p16:designElem xmlns="" xmlns:p16="http://schemas.microsoft.com/office/powerpoint/2015/main" val="1"/>
+                <p16:designElem xmlns:p16="http://schemas.microsoft.com/office/powerpoint/2015/main" xmlns="" val="1"/>
               </p:ext>
             </p:extLst>
           </p:nvPr>
@@ -4074,7 +4074,7 @@
           <p:cNvPr id="2" name="Title 1">
             <a:extLst>
               <a:ext uri="{FF2B5EF4-FFF2-40B4-BE49-F238E27FC236}">
-                <a16:creationId xmlns="" xmlns:a16="http://schemas.microsoft.com/office/drawing/2014/main" id="{014018EB-B0D4-44F6-92CD-380CD006D987}"/>
+                <a16:creationId xmlns:a16="http://schemas.microsoft.com/office/drawing/2014/main" xmlns="" id="{014018EB-B0D4-44F6-92CD-380CD006D987}"/>
               </a:ext>
             </a:extLst>
           </p:cNvPr>
@@ -4181,7 +4181,7 @@
     </p:spTree>
     <p:extLst>
       <p:ext uri="{BB962C8B-B14F-4D97-AF65-F5344CB8AC3E}">
-        <p14:creationId xmlns="" xmlns:p14="http://schemas.microsoft.com/office/powerpoint/2010/main" val="4148727387"/>
+        <p14:creationId xmlns:p14="http://schemas.microsoft.com/office/powerpoint/2010/main" xmlns="" val="4148727387"/>
       </p:ext>
     </p:extLst>
   </p:cSld>
@@ -4213,7 +4213,7 @@
           <p:cNvPr id="2" name="Title 1">
             <a:extLst>
               <a:ext uri="{FF2B5EF4-FFF2-40B4-BE49-F238E27FC236}">
-                <a16:creationId xmlns="" xmlns:a16="http://schemas.microsoft.com/office/drawing/2014/main" id="{106E71CC-6BDE-457B-8059-02BC1D5EE395}"/>
+                <a16:creationId xmlns:a16="http://schemas.microsoft.com/office/drawing/2014/main" xmlns="" id="{106E71CC-6BDE-457B-8059-02BC1D5EE395}"/>
               </a:ext>
             </a:extLst>
           </p:cNvPr>
@@ -4242,7 +4242,7 @@
           <p:cNvPr id="3" name="Content Placeholder 2">
             <a:extLst>
               <a:ext uri="{FF2B5EF4-FFF2-40B4-BE49-F238E27FC236}">
-                <a16:creationId xmlns="" xmlns:a16="http://schemas.microsoft.com/office/drawing/2014/main" id="{1658DF85-6D4A-423E-8792-513E9464EB64}"/>
+                <a16:creationId xmlns:a16="http://schemas.microsoft.com/office/drawing/2014/main" xmlns="" id="{1658DF85-6D4A-423E-8792-513E9464EB64}"/>
               </a:ext>
             </a:extLst>
           </p:cNvPr>
@@ -4323,7 +4323,7 @@
     </p:spTree>
     <p:extLst>
       <p:ext uri="{BB962C8B-B14F-4D97-AF65-F5344CB8AC3E}">
-        <p14:creationId xmlns="" xmlns:p14="http://schemas.microsoft.com/office/powerpoint/2010/main" val="2318894735"/>
+        <p14:creationId xmlns:p14="http://schemas.microsoft.com/office/powerpoint/2010/main" xmlns="" val="2318894735"/>
       </p:ext>
     </p:extLst>
   </p:cSld>
@@ -4355,7 +4355,7 @@
           <p:cNvPr id="2" name="Title 1">
             <a:extLst>
               <a:ext uri="{FF2B5EF4-FFF2-40B4-BE49-F238E27FC236}">
-                <a16:creationId xmlns="" xmlns:a16="http://schemas.microsoft.com/office/drawing/2014/main" id="{20F0E6FA-E175-49AC-8877-C73D889547AA}"/>
+                <a16:creationId xmlns:a16="http://schemas.microsoft.com/office/drawing/2014/main" xmlns="" id="{20F0E6FA-E175-49AC-8877-C73D889547AA}"/>
               </a:ext>
             </a:extLst>
           </p:cNvPr>
@@ -4384,7 +4384,7 @@
           <p:cNvPr id="3" name="Content Placeholder 2">
             <a:extLst>
               <a:ext uri="{FF2B5EF4-FFF2-40B4-BE49-F238E27FC236}">
-                <a16:creationId xmlns="" xmlns:a16="http://schemas.microsoft.com/office/drawing/2014/main" id="{A2827B00-533F-4BE7-B7F0-4053EE0BE287}"/>
+                <a16:creationId xmlns:a16="http://schemas.microsoft.com/office/drawing/2014/main" xmlns="" id="{A2827B00-533F-4BE7-B7F0-4053EE0BE287}"/>
               </a:ext>
             </a:extLst>
           </p:cNvPr>
@@ -4482,7 +4482,7 @@
     </p:spTree>
     <p:extLst>
       <p:ext uri="{BB962C8B-B14F-4D97-AF65-F5344CB8AC3E}">
-        <p14:creationId xmlns="" xmlns:p14="http://schemas.microsoft.com/office/powerpoint/2010/main" val="1522183498"/>
+        <p14:creationId xmlns:p14="http://schemas.microsoft.com/office/powerpoint/2010/main" xmlns="" val="1522183498"/>
       </p:ext>
     </p:extLst>
   </p:cSld>
@@ -4514,7 +4514,7 @@
           <p:cNvPr id="3" name="Content Placeholder 2">
             <a:extLst>
               <a:ext uri="{FF2B5EF4-FFF2-40B4-BE49-F238E27FC236}">
-                <a16:creationId xmlns="" xmlns:a16="http://schemas.microsoft.com/office/drawing/2014/main" id="{D3B18B3F-EE85-4ADF-B5B1-2E453F00C5B9}"/>
+                <a16:creationId xmlns:a16="http://schemas.microsoft.com/office/drawing/2014/main" xmlns="" id="{D3B18B3F-EE85-4ADF-B5B1-2E453F00C5B9}"/>
               </a:ext>
             </a:extLst>
           </p:cNvPr>
@@ -4588,7 +4588,7 @@
     </p:spTree>
     <p:extLst>
       <p:ext uri="{BB962C8B-B14F-4D97-AF65-F5344CB8AC3E}">
-        <p14:creationId xmlns="" xmlns:p14="http://schemas.microsoft.com/office/powerpoint/2010/main" val="303119902"/>
+        <p14:creationId xmlns:p14="http://schemas.microsoft.com/office/powerpoint/2010/main" xmlns="" val="303119902"/>
       </p:ext>
     </p:extLst>
   </p:cSld>
@@ -4620,7 +4620,7 @@
           <p:cNvPr id="2" name="Title 1">
             <a:extLst>
               <a:ext uri="{FF2B5EF4-FFF2-40B4-BE49-F238E27FC236}">
-                <a16:creationId xmlns="" xmlns:a16="http://schemas.microsoft.com/office/drawing/2014/main" id="{641496CA-57DE-4A1A-B2CD-F9F85A50B64D}"/>
+                <a16:creationId xmlns:a16="http://schemas.microsoft.com/office/drawing/2014/main" xmlns="" id="{641496CA-57DE-4A1A-B2CD-F9F85A50B64D}"/>
               </a:ext>
             </a:extLst>
           </p:cNvPr>
@@ -4649,7 +4649,7 @@
           <p:cNvPr id="3" name="Content Placeholder 2">
             <a:extLst>
               <a:ext uri="{FF2B5EF4-FFF2-40B4-BE49-F238E27FC236}">
-                <a16:creationId xmlns="" xmlns:a16="http://schemas.microsoft.com/office/drawing/2014/main" id="{3DD7687F-299E-4AA0-92FA-B7C4DA4EC790}"/>
+                <a16:creationId xmlns:a16="http://schemas.microsoft.com/office/drawing/2014/main" xmlns="" id="{3DD7687F-299E-4AA0-92FA-B7C4DA4EC790}"/>
               </a:ext>
             </a:extLst>
           </p:cNvPr>
@@ -4686,7 +4686,19 @@
           <a:p>
             <a:r>
               <a:rPr lang="en-US" sz="2000" dirty="0" smtClean="0"/>
-              <a:t>We could also create another app that can be used by financial institutions to advertise their investment plans to the users. The users should be able to view and select plans suitable to their requirements.</a:t>
+              <a:t>We could also create </a:t>
+            </a:r>
+            <a:r>
+              <a:rPr lang="en-US" sz="2000" smtClean="0"/>
+              <a:t>another </a:t>
+            </a:r>
+            <a:r>
+              <a:rPr lang="en-US" sz="2000" smtClean="0"/>
+              <a:t>feature </a:t>
+            </a:r>
+            <a:r>
+              <a:rPr lang="en-US" sz="2000" dirty="0" smtClean="0"/>
+              <a:t>that can be used by financial institutions to advertise their investment plans to the users. The users should be able to view and select plans suitable to their requirements.</a:t>
             </a:r>
           </a:p>
         </p:txBody>
@@ -4694,7 +4706,7 @@
     </p:spTree>
     <p:extLst>
       <p:ext uri="{BB962C8B-B14F-4D97-AF65-F5344CB8AC3E}">
-        <p14:creationId xmlns="" xmlns:p14="http://schemas.microsoft.com/office/powerpoint/2010/main" val="3896178327"/>
+        <p14:creationId xmlns:p14="http://schemas.microsoft.com/office/powerpoint/2010/main" xmlns="" val="3896178327"/>
       </p:ext>
     </p:extLst>
   </p:cSld>
@@ -4726,7 +4738,7 @@
           <p:cNvPr id="3" name="Content Placeholder 2">
             <a:extLst>
               <a:ext uri="{FF2B5EF4-FFF2-40B4-BE49-F238E27FC236}">
-                <a16:creationId xmlns="" xmlns:a16="http://schemas.microsoft.com/office/drawing/2014/main" id="{5D764D73-2D98-4DE7-AF70-FDAD98BF5067}"/>
+                <a16:creationId xmlns:a16="http://schemas.microsoft.com/office/drawing/2014/main" xmlns="" id="{5D764D73-2D98-4DE7-AF70-FDAD98BF5067}"/>
               </a:ext>
             </a:extLst>
           </p:cNvPr>
@@ -4763,7 +4775,7 @@
     </p:spTree>
     <p:extLst>
       <p:ext uri="{BB962C8B-B14F-4D97-AF65-F5344CB8AC3E}">
-        <p14:creationId xmlns="" xmlns:p14="http://schemas.microsoft.com/office/powerpoint/2010/main" val="2643689593"/>
+        <p14:creationId xmlns:p14="http://schemas.microsoft.com/office/powerpoint/2010/main" xmlns="" val="2643689593"/>
       </p:ext>
     </p:extLst>
   </p:cSld>
@@ -5036,7 +5048,7 @@
   <a:extraClrSchemeLst/>
   <a:extLst>
     <a:ext uri="{05A4C25C-085E-4340-85A3-A5531E510DB2}">
-      <thm15:themeFamily xmlns="" xmlns:thm15="http://schemas.microsoft.com/office/thememl/2012/main" name="DividendVTI" id="{97558BDE-0B66-457C-BB6F-7B1B22DAA9B8}" vid="{F53508A3-AC60-448A-AF37-934D5F1A0D5E}"/>
+      <thm15:themeFamily xmlns:thm15="http://schemas.microsoft.com/office/thememl/2012/main" xmlns="" name="DividendVTI" id="{97558BDE-0B66-457C-BB6F-7B1B22DAA9B8}" vid="{F53508A3-AC60-448A-AF37-934D5F1A0D5E}"/>
     </a:ext>
   </a:extLst>
 </a:theme>

--- a/fppt.pptx
+++ b/fppt.pptx
@@ -111,7 +111,18 @@
   </p:defaultTextStyle>
   <p:extLst>
     <p:ext uri="{EFAFB233-063F-42B5-8137-9DF3F51BA10A}">
-      <p15:sldGuideLst xmlns="" xmlns:p15="http://schemas.microsoft.com/office/powerpoint/2012/main"/>
+      <p15:sldGuideLst xmlns:p15="http://schemas.microsoft.com/office/powerpoint/2012/main">
+        <p15:guide id="1" orient="horz" pos="2160">
+          <p15:clr>
+            <a:srgbClr val="A4A3A4"/>
+          </p15:clr>
+        </p15:guide>
+        <p15:guide id="2" pos="3840">
+          <p15:clr>
+            <a:srgbClr val="A4A3A4"/>
+          </p15:clr>
+        </p15:guide>
+      </p15:sldGuideLst>
     </p:ext>
   </p:extLst>
 </p:presentation>
@@ -337,7 +348,7 @@
           <p:cNvPr id="8" name="Date Placeholder 7">
             <a:extLst>
               <a:ext uri="{FF2B5EF4-FFF2-40B4-BE49-F238E27FC236}">
-                <a16:creationId xmlns="" xmlns:a16="http://schemas.microsoft.com/office/drawing/2014/main" id="{7FA0ACE7-29A8-47D3-A7D9-257B711D8023}"/>
+                <a16:creationId xmlns:a16="http://schemas.microsoft.com/office/drawing/2014/main" id="{7FA0ACE7-29A8-47D3-A7D9-257B711D8023}"/>
               </a:ext>
             </a:extLst>
           </p:cNvPr>
@@ -356,7 +367,7 @@
             <a:fld id="{ED291B17-9318-49DB-B28B-6E5994AE9581}" type="datetime1">
               <a:rPr lang="en-US" smtClean="0"/>
               <a:pPr/>
-              <a:t>5/14/2020</a:t>
+              <a:t>5/15/2020</a:t>
             </a:fld>
             <a:endParaRPr lang="en-US" dirty="0"/>
           </a:p>
@@ -367,7 +378,7 @@
           <p:cNvPr id="9" name="Footer Placeholder 8">
             <a:extLst>
               <a:ext uri="{FF2B5EF4-FFF2-40B4-BE49-F238E27FC236}">
-                <a16:creationId xmlns="" xmlns:a16="http://schemas.microsoft.com/office/drawing/2014/main" id="{DEC604B9-52E9-4810-8359-47206518D038}"/>
+                <a16:creationId xmlns:a16="http://schemas.microsoft.com/office/drawing/2014/main" id="{DEC604B9-52E9-4810-8359-47206518D038}"/>
               </a:ext>
             </a:extLst>
           </p:cNvPr>
@@ -392,7 +403,7 @@
           <p:cNvPr id="10" name="Slide Number Placeholder 9">
             <a:extLst>
               <a:ext uri="{FF2B5EF4-FFF2-40B4-BE49-F238E27FC236}">
-                <a16:creationId xmlns="" xmlns:a16="http://schemas.microsoft.com/office/drawing/2014/main" id="{5898A89F-CA25-400F-B05A-AECBF2517E4F}"/>
+                <a16:creationId xmlns:a16="http://schemas.microsoft.com/office/drawing/2014/main" id="{5898A89F-CA25-400F-B05A-AECBF2517E4F}"/>
               </a:ext>
             </a:extLst>
           </p:cNvPr>
@@ -420,7 +431,7 @@
     </p:spTree>
     <p:extLst>
       <p:ext uri="{BB962C8B-B14F-4D97-AF65-F5344CB8AC3E}">
-        <p14:creationId xmlns="" xmlns:p14="http://schemas.microsoft.com/office/powerpoint/2010/main" val="1689346634"/>
+        <p14:creationId xmlns:p14="http://schemas.microsoft.com/office/powerpoint/2010/main" val="1689346634"/>
       </p:ext>
     </p:extLst>
   </p:cSld>
@@ -561,7 +572,7 @@
             <a:fld id="{2CED4963-E985-44C4-B8C4-FDD613B7C2F8}" type="datetime1">
               <a:rPr lang="en-US" smtClean="0"/>
               <a:pPr/>
-              <a:t>5/14/2020</a:t>
+              <a:t>5/15/2020</a:t>
             </a:fld>
             <a:endParaRPr lang="en-US" dirty="0"/>
           </a:p>
@@ -613,7 +624,7 @@
     </p:spTree>
     <p:extLst>
       <p:ext uri="{BB962C8B-B14F-4D97-AF65-F5344CB8AC3E}">
-        <p14:creationId xmlns="" xmlns:p14="http://schemas.microsoft.com/office/powerpoint/2010/main" val="1023611765"/>
+        <p14:creationId xmlns:p14="http://schemas.microsoft.com/office/powerpoint/2010/main" val="1023611765"/>
       </p:ext>
     </p:extLst>
   </p:cSld>
@@ -777,7 +788,7 @@
           <p:cNvPr id="8" name="Rectangle 7">
             <a:extLst>
               <a:ext uri="{FF2B5EF4-FFF2-40B4-BE49-F238E27FC236}">
-                <a16:creationId xmlns="" xmlns:a16="http://schemas.microsoft.com/office/drawing/2014/main" id="{F6423B97-A5D4-47B9-8861-73B3707A04CF}"/>
+                <a16:creationId xmlns:a16="http://schemas.microsoft.com/office/drawing/2014/main" id="{F6423B97-A5D4-47B9-8861-73B3707A04CF}"/>
               </a:ext>
             </a:extLst>
           </p:cNvPr>
@@ -820,7 +831,7 @@
           <p:cNvPr id="9" name="Rectangle 8">
             <a:extLst>
               <a:ext uri="{FF2B5EF4-FFF2-40B4-BE49-F238E27FC236}">
-                <a16:creationId xmlns="" xmlns:a16="http://schemas.microsoft.com/office/drawing/2014/main" id="{1AEC0421-37B4-4481-A10D-69FDF5EC7909}"/>
+                <a16:creationId xmlns:a16="http://schemas.microsoft.com/office/drawing/2014/main" id="{1AEC0421-37B4-4481-A10D-69FDF5EC7909}"/>
               </a:ext>
             </a:extLst>
           </p:cNvPr>
@@ -863,7 +874,7 @@
           <p:cNvPr id="10" name="Rectangle 9">
             <a:extLst>
               <a:ext uri="{FF2B5EF4-FFF2-40B4-BE49-F238E27FC236}">
-                <a16:creationId xmlns="" xmlns:a16="http://schemas.microsoft.com/office/drawing/2014/main" id="{5F7265B5-9F97-4F1E-99E9-74F7B7E62337}"/>
+                <a16:creationId xmlns:a16="http://schemas.microsoft.com/office/drawing/2014/main" id="{5F7265B5-9F97-4F1E-99E9-74F7B7E62337}"/>
               </a:ext>
             </a:extLst>
           </p:cNvPr>
@@ -906,7 +917,7 @@
           <p:cNvPr id="11" name="Date Placeholder 10">
             <a:extLst>
               <a:ext uri="{FF2B5EF4-FFF2-40B4-BE49-F238E27FC236}">
-                <a16:creationId xmlns="" xmlns:a16="http://schemas.microsoft.com/office/drawing/2014/main" id="{5C74A470-3BD3-4F33-80E5-67E6E87FCBE7}"/>
+                <a16:creationId xmlns:a16="http://schemas.microsoft.com/office/drawing/2014/main" id="{5C74A470-3BD3-4F33-80E5-67E6E87FCBE7}"/>
               </a:ext>
             </a:extLst>
           </p:cNvPr>
@@ -925,7 +936,7 @@
             <a:fld id="{ED291B17-9318-49DB-B28B-6E5994AE9581}" type="datetime1">
               <a:rPr lang="en-US" smtClean="0"/>
               <a:pPr/>
-              <a:t>5/14/2020</a:t>
+              <a:t>5/15/2020</a:t>
             </a:fld>
             <a:endParaRPr lang="en-US" dirty="0"/>
           </a:p>
@@ -936,7 +947,7 @@
           <p:cNvPr id="12" name="Footer Placeholder 11">
             <a:extLst>
               <a:ext uri="{FF2B5EF4-FFF2-40B4-BE49-F238E27FC236}">
-                <a16:creationId xmlns="" xmlns:a16="http://schemas.microsoft.com/office/drawing/2014/main" id="{9A3A30BA-DB50-4D7D-BCDE-17D20FB354DF}"/>
+                <a16:creationId xmlns:a16="http://schemas.microsoft.com/office/drawing/2014/main" id="{9A3A30BA-DB50-4D7D-BCDE-17D20FB354DF}"/>
               </a:ext>
             </a:extLst>
           </p:cNvPr>
@@ -961,7 +972,7 @@
           <p:cNvPr id="13" name="Slide Number Placeholder 12">
             <a:extLst>
               <a:ext uri="{FF2B5EF4-FFF2-40B4-BE49-F238E27FC236}">
-                <a16:creationId xmlns="" xmlns:a16="http://schemas.microsoft.com/office/drawing/2014/main" id="{76FF9E58-C0B2-436B-A21C-DB45A00D6515}"/>
+                <a16:creationId xmlns:a16="http://schemas.microsoft.com/office/drawing/2014/main" id="{76FF9E58-C0B2-436B-A21C-DB45A00D6515}"/>
               </a:ext>
             </a:extLst>
           </p:cNvPr>
@@ -989,7 +1000,7 @@
     </p:spTree>
     <p:extLst>
       <p:ext uri="{BB962C8B-B14F-4D97-AF65-F5344CB8AC3E}">
-        <p14:creationId xmlns="" xmlns:p14="http://schemas.microsoft.com/office/powerpoint/2010/main" val="3783975248"/>
+        <p14:creationId xmlns:p14="http://schemas.microsoft.com/office/powerpoint/2010/main" val="3783975248"/>
       </p:ext>
     </p:extLst>
   </p:cSld>
@@ -1106,7 +1117,7 @@
           <p:cNvPr id="8" name="Date Placeholder 7">
             <a:extLst>
               <a:ext uri="{FF2B5EF4-FFF2-40B4-BE49-F238E27FC236}">
-                <a16:creationId xmlns="" xmlns:a16="http://schemas.microsoft.com/office/drawing/2014/main" id="{770E6237-3456-439F-802D-3BA93FC7E3E5}"/>
+                <a16:creationId xmlns:a16="http://schemas.microsoft.com/office/drawing/2014/main" id="{770E6237-3456-439F-802D-3BA93FC7E3E5}"/>
               </a:ext>
             </a:extLst>
           </p:cNvPr>
@@ -1125,7 +1136,7 @@
             <a:fld id="{78DD82B9-B8EE-4375-B6FF-88FA6ABB15D9}" type="datetime1">
               <a:rPr lang="en-US" smtClean="0"/>
               <a:pPr/>
-              <a:t>5/14/2020</a:t>
+              <a:t>5/15/2020</a:t>
             </a:fld>
             <a:endParaRPr lang="en-US" dirty="0"/>
           </a:p>
@@ -1136,7 +1147,7 @@
           <p:cNvPr id="9" name="Footer Placeholder 8">
             <a:extLst>
               <a:ext uri="{FF2B5EF4-FFF2-40B4-BE49-F238E27FC236}">
-                <a16:creationId xmlns="" xmlns:a16="http://schemas.microsoft.com/office/drawing/2014/main" id="{1356D3B5-6063-4A89-B88F-9D3043916FF8}"/>
+                <a16:creationId xmlns:a16="http://schemas.microsoft.com/office/drawing/2014/main" id="{1356D3B5-6063-4A89-B88F-9D3043916FF8}"/>
               </a:ext>
             </a:extLst>
           </p:cNvPr>
@@ -1161,7 +1172,7 @@
           <p:cNvPr id="10" name="Slide Number Placeholder 9">
             <a:extLst>
               <a:ext uri="{FF2B5EF4-FFF2-40B4-BE49-F238E27FC236}">
-                <a16:creationId xmlns="" xmlns:a16="http://schemas.microsoft.com/office/drawing/2014/main" id="{02B78BF7-69D3-4CE0-A631-50EFD41EEEB8}"/>
+                <a16:creationId xmlns:a16="http://schemas.microsoft.com/office/drawing/2014/main" id="{02B78BF7-69D3-4CE0-A631-50EFD41EEEB8}"/>
               </a:ext>
             </a:extLst>
           </p:cNvPr>
@@ -1189,7 +1200,7 @@
     </p:spTree>
     <p:extLst>
       <p:ext uri="{BB962C8B-B14F-4D97-AF65-F5344CB8AC3E}">
-        <p14:creationId xmlns="" xmlns:p14="http://schemas.microsoft.com/office/powerpoint/2010/main" val="1616673053"/>
+        <p14:creationId xmlns:p14="http://schemas.microsoft.com/office/powerpoint/2010/main" val="1616673053"/>
       </p:ext>
     </p:extLst>
   </p:cSld>
@@ -1420,7 +1431,7 @@
           <p:cNvPr id="7" name="Date Placeholder 6">
             <a:extLst>
               <a:ext uri="{FF2B5EF4-FFF2-40B4-BE49-F238E27FC236}">
-                <a16:creationId xmlns="" xmlns:a16="http://schemas.microsoft.com/office/drawing/2014/main" id="{61582016-5696-4A93-887F-BBB3B9002FE5}"/>
+                <a16:creationId xmlns:a16="http://schemas.microsoft.com/office/drawing/2014/main" id="{61582016-5696-4A93-887F-BBB3B9002FE5}"/>
               </a:ext>
             </a:extLst>
           </p:cNvPr>
@@ -1439,7 +1450,7 @@
             <a:fld id="{B2497495-0637-405E-AE64-5CC7506D51F5}" type="datetime1">
               <a:rPr lang="en-US" smtClean="0"/>
               <a:pPr/>
-              <a:t>5/14/2020</a:t>
+              <a:t>5/15/2020</a:t>
             </a:fld>
             <a:endParaRPr lang="en-US" dirty="0"/>
           </a:p>
@@ -1450,7 +1461,7 @@
           <p:cNvPr id="9" name="Footer Placeholder 8">
             <a:extLst>
               <a:ext uri="{FF2B5EF4-FFF2-40B4-BE49-F238E27FC236}">
-                <a16:creationId xmlns="" xmlns:a16="http://schemas.microsoft.com/office/drawing/2014/main" id="{857CFCD5-1192-4E18-8A8F-29E153B44DA4}"/>
+                <a16:creationId xmlns:a16="http://schemas.microsoft.com/office/drawing/2014/main" id="{857CFCD5-1192-4E18-8A8F-29E153B44DA4}"/>
               </a:ext>
             </a:extLst>
           </p:cNvPr>
@@ -1475,7 +1486,7 @@
           <p:cNvPr id="10" name="Slide Number Placeholder 9">
             <a:extLst>
               <a:ext uri="{FF2B5EF4-FFF2-40B4-BE49-F238E27FC236}">
-                <a16:creationId xmlns="" xmlns:a16="http://schemas.microsoft.com/office/drawing/2014/main" id="{E39A109E-5018-4794-92B3-FD5E5BCD95E8}"/>
+                <a16:creationId xmlns:a16="http://schemas.microsoft.com/office/drawing/2014/main" id="{E39A109E-5018-4794-92B3-FD5E5BCD95E8}"/>
               </a:ext>
             </a:extLst>
           </p:cNvPr>
@@ -1503,7 +1514,7 @@
     </p:spTree>
     <p:extLst>
       <p:ext uri="{BB962C8B-B14F-4D97-AF65-F5344CB8AC3E}">
-        <p14:creationId xmlns="" xmlns:p14="http://schemas.microsoft.com/office/powerpoint/2010/main" val="1171781761"/>
+        <p14:creationId xmlns:p14="http://schemas.microsoft.com/office/powerpoint/2010/main" val="1171781761"/>
       </p:ext>
     </p:extLst>
   </p:cSld>
@@ -1694,7 +1705,7 @@
             <a:fld id="{7BFFD690-9426-415D-8B65-26881E07B2D4}" type="datetime1">
               <a:rPr lang="en-US" smtClean="0"/>
               <a:pPr/>
-              <a:t>5/14/2020</a:t>
+              <a:t>5/15/2020</a:t>
             </a:fld>
             <a:endParaRPr lang="en-US" dirty="0"/>
           </a:p>
@@ -1746,7 +1757,7 @@
     </p:spTree>
     <p:extLst>
       <p:ext uri="{BB962C8B-B14F-4D97-AF65-F5344CB8AC3E}">
-        <p14:creationId xmlns="" xmlns:p14="http://schemas.microsoft.com/office/powerpoint/2010/main" val="1720844098"/>
+        <p14:creationId xmlns:p14="http://schemas.microsoft.com/office/powerpoint/2010/main" val="1720844098"/>
       </p:ext>
     </p:extLst>
   </p:cSld>
@@ -2118,7 +2129,7 @@
             <a:fld id="{04C4989A-474C-40DE-95B9-011C28B71673}" type="datetime1">
               <a:rPr lang="en-US" smtClean="0"/>
               <a:pPr/>
-              <a:t>5/14/2020</a:t>
+              <a:t>5/15/2020</a:t>
             </a:fld>
             <a:endParaRPr lang="en-US" dirty="0"/>
           </a:p>
@@ -2170,7 +2181,7 @@
     </p:spTree>
     <p:extLst>
       <p:ext uri="{BB962C8B-B14F-4D97-AF65-F5344CB8AC3E}">
-        <p14:creationId xmlns="" xmlns:p14="http://schemas.microsoft.com/office/powerpoint/2010/main" val="643050465"/>
+        <p14:creationId xmlns:p14="http://schemas.microsoft.com/office/powerpoint/2010/main" val="643050465"/>
       </p:ext>
     </p:extLst>
   </p:cSld>
@@ -2243,7 +2254,7 @@
             <a:fld id="{5DB4ED54-5B5E-4A04-93D3-5772E3CE3818}" type="datetime1">
               <a:rPr lang="en-US" smtClean="0"/>
               <a:pPr/>
-              <a:t>5/14/2020</a:t>
+              <a:t>5/15/2020</a:t>
             </a:fld>
             <a:endParaRPr lang="en-US" dirty="0"/>
           </a:p>
@@ -2295,7 +2306,7 @@
     </p:spTree>
     <p:extLst>
       <p:ext uri="{BB962C8B-B14F-4D97-AF65-F5344CB8AC3E}">
-        <p14:creationId xmlns="" xmlns:p14="http://schemas.microsoft.com/office/powerpoint/2010/main" val="4197245474"/>
+        <p14:creationId xmlns:p14="http://schemas.microsoft.com/office/powerpoint/2010/main" val="4197245474"/>
       </p:ext>
     </p:extLst>
   </p:cSld>
@@ -2340,7 +2351,7 @@
             <a:fld id="{4EDE50D6-574B-40AF-946F-D52A04ADE379}" type="datetime1">
               <a:rPr lang="en-US" smtClean="0"/>
               <a:pPr/>
-              <a:t>5/14/2020</a:t>
+              <a:t>5/15/2020</a:t>
             </a:fld>
             <a:endParaRPr lang="en-US" dirty="0"/>
           </a:p>
@@ -2392,7 +2403,7 @@
     </p:spTree>
     <p:extLst>
       <p:ext uri="{BB962C8B-B14F-4D97-AF65-F5344CB8AC3E}">
-        <p14:creationId xmlns="" xmlns:p14="http://schemas.microsoft.com/office/powerpoint/2010/main" val="3477419110"/>
+        <p14:creationId xmlns:p14="http://schemas.microsoft.com/office/powerpoint/2010/main" val="3477419110"/>
       </p:ext>
     </p:extLst>
   </p:cSld>
@@ -2695,7 +2706,7 @@
           <p:cNvPr id="8" name="Date Placeholder 7">
             <a:extLst>
               <a:ext uri="{FF2B5EF4-FFF2-40B4-BE49-F238E27FC236}">
-                <a16:creationId xmlns="" xmlns:a16="http://schemas.microsoft.com/office/drawing/2014/main" id="{0B919CC2-2A65-446F-B538-9E6249035445}"/>
+                <a16:creationId xmlns:a16="http://schemas.microsoft.com/office/drawing/2014/main" id="{0B919CC2-2A65-446F-B538-9E6249035445}"/>
               </a:ext>
             </a:extLst>
           </p:cNvPr>
@@ -2719,7 +2730,7 @@
             <a:fld id="{D82884F1-FFEA-405F-9602-3DCA865EDA4E}" type="datetime1">
               <a:rPr lang="en-US" smtClean="0"/>
               <a:pPr/>
-              <a:t>5/14/2020</a:t>
+              <a:t>5/15/2020</a:t>
             </a:fld>
             <a:endParaRPr lang="en-US" dirty="0"/>
           </a:p>
@@ -2730,7 +2741,7 @@
           <p:cNvPr id="10" name="Footer Placeholder 9">
             <a:extLst>
               <a:ext uri="{FF2B5EF4-FFF2-40B4-BE49-F238E27FC236}">
-                <a16:creationId xmlns="" xmlns:a16="http://schemas.microsoft.com/office/drawing/2014/main" id="{B72412AE-119E-4982-8B24-63365EFCA796}"/>
+                <a16:creationId xmlns:a16="http://schemas.microsoft.com/office/drawing/2014/main" id="{B72412AE-119E-4982-8B24-63365EFCA796}"/>
               </a:ext>
             </a:extLst>
           </p:cNvPr>
@@ -2760,7 +2771,7 @@
           <p:cNvPr id="11" name="Slide Number Placeholder 10">
             <a:extLst>
               <a:ext uri="{FF2B5EF4-FFF2-40B4-BE49-F238E27FC236}">
-                <a16:creationId xmlns="" xmlns:a16="http://schemas.microsoft.com/office/drawing/2014/main" id="{7FC4BB19-6AD1-45CF-9F99-00B109890FAB}"/>
+                <a16:creationId xmlns:a16="http://schemas.microsoft.com/office/drawing/2014/main" id="{7FC4BB19-6AD1-45CF-9F99-00B109890FAB}"/>
               </a:ext>
             </a:extLst>
           </p:cNvPr>
@@ -2793,7 +2804,7 @@
     </p:spTree>
     <p:extLst>
       <p:ext uri="{BB962C8B-B14F-4D97-AF65-F5344CB8AC3E}">
-        <p14:creationId xmlns="" xmlns:p14="http://schemas.microsoft.com/office/powerpoint/2010/main" val="1782975784"/>
+        <p14:creationId xmlns:p14="http://schemas.microsoft.com/office/powerpoint/2010/main" val="1782975784"/>
       </p:ext>
     </p:extLst>
   </p:cSld>
@@ -3012,7 +3023,7 @@
             <a:fld id="{7E18DB4A-8810-4A10-AD5C-D5E2C667F5B3}" type="datetime1">
               <a:rPr lang="en-US" smtClean="0"/>
               <a:pPr/>
-              <a:t>5/14/2020</a:t>
+              <a:t>5/15/2020</a:t>
             </a:fld>
             <a:endParaRPr lang="en-US" dirty="0"/>
           </a:p>
@@ -3065,7 +3076,7 @@
     </p:spTree>
     <p:extLst>
       <p:ext uri="{BB962C8B-B14F-4D97-AF65-F5344CB8AC3E}">
-        <p14:creationId xmlns="" xmlns:p14="http://schemas.microsoft.com/office/powerpoint/2010/main" val="2621351987"/>
+        <p14:creationId xmlns:p14="http://schemas.microsoft.com/office/powerpoint/2010/main" val="2621351987"/>
       </p:ext>
     </p:extLst>
   </p:cSld>
@@ -3229,7 +3240,7 @@
             <a:fld id="{ED291B17-9318-49DB-B28B-6E5994AE9581}" type="datetime1">
               <a:rPr lang="en-US" smtClean="0"/>
               <a:pPr/>
-              <a:t>5/14/2020</a:t>
+              <a:t>5/15/2020</a:t>
             </a:fld>
             <a:endParaRPr lang="en-US" dirty="0"/>
           </a:p>
@@ -3430,7 +3441,7 @@
     </p:spTree>
     <p:extLst>
       <p:ext uri="{BB962C8B-B14F-4D97-AF65-F5344CB8AC3E}">
-        <p14:creationId xmlns="" xmlns:p14="http://schemas.microsoft.com/office/powerpoint/2010/main" val="518843926"/>
+        <p14:creationId xmlns:p14="http://schemas.microsoft.com/office/powerpoint/2010/main" val="518843926"/>
       </p:ext>
     </p:extLst>
   </p:cSld>
@@ -3875,10 +3886,10 @@
           <p:cNvPr id="12" name="Rectangle 8">
             <a:extLst>
               <a:ext uri="{FF2B5EF4-FFF2-40B4-BE49-F238E27FC236}">
-                <a16:creationId xmlns="" xmlns:a16="http://schemas.microsoft.com/office/drawing/2014/main" id="{26B4480E-B7FF-4481-890E-043A69AE6FE2}"/>
+                <a16:creationId xmlns:a16="http://schemas.microsoft.com/office/drawing/2014/main" id="{26B4480E-B7FF-4481-890E-043A69AE6FE2}"/>
               </a:ext>
               <a:ext uri="{C183D7F6-B498-43B3-948B-1728B52AA6E4}">
-                <adec:decorative xmlns="" xmlns:adec="http://schemas.microsoft.com/office/drawing/2017/decorative" val="1"/>
+                <adec:decorative xmlns:adec="http://schemas.microsoft.com/office/drawing/2017/decorative" val="1"/>
               </a:ext>
             </a:extLst>
           </p:cNvPr>
@@ -3888,7 +3899,7 @@
           <p:nvPr>
             <p:extLst>
               <p:ext uri="{386F3935-93C4-4BCD-93E2-E3B085C9AB24}">
-                <p16:designElem xmlns="" xmlns:p16="http://schemas.microsoft.com/office/powerpoint/2015/main" val="1"/>
+                <p16:designElem xmlns:p16="http://schemas.microsoft.com/office/powerpoint/2015/main" val="1"/>
               </p:ext>
             </p:extLst>
           </p:nvPr>
@@ -3935,7 +3946,7 @@
           <p:cNvPr id="14" name="Picture 3">
             <a:extLst>
               <a:ext uri="{FF2B5EF4-FFF2-40B4-BE49-F238E27FC236}">
-                <a16:creationId xmlns="" xmlns:a16="http://schemas.microsoft.com/office/drawing/2014/main" id="{8AFBA856-3A24-4BE7-ABB4-79AAA4B67D2A}"/>
+                <a16:creationId xmlns:a16="http://schemas.microsoft.com/office/drawing/2014/main" id="{8AFBA856-3A24-4BE7-ABB4-79AAA4B67D2A}"/>
               </a:ext>
             </a:extLst>
           </p:cNvPr>
@@ -3964,10 +3975,10 @@
           <p:cNvPr id="11" name="Rectangle 10">
             <a:extLst>
               <a:ext uri="{FF2B5EF4-FFF2-40B4-BE49-F238E27FC236}">
-                <a16:creationId xmlns="" xmlns:a16="http://schemas.microsoft.com/office/drawing/2014/main" id="{64C13BAB-7C00-4D21-A857-E3D41C0A2A66}"/>
+                <a16:creationId xmlns:a16="http://schemas.microsoft.com/office/drawing/2014/main" id="{64C13BAB-7C00-4D21-A857-E3D41C0A2A66}"/>
               </a:ext>
               <a:ext uri="{C183D7F6-B498-43B3-948B-1728B52AA6E4}">
-                <adec:decorative xmlns="" xmlns:adec="http://schemas.microsoft.com/office/drawing/2017/decorative" val="1"/>
+                <adec:decorative xmlns:adec="http://schemas.microsoft.com/office/drawing/2017/decorative" val="1"/>
               </a:ext>
             </a:extLst>
           </p:cNvPr>
@@ -3977,7 +3988,7 @@
           <p:nvPr>
             <p:extLst>
               <p:ext uri="{386F3935-93C4-4BCD-93E2-E3B085C9AB24}">
-                <p16:designElem xmlns="" xmlns:p16="http://schemas.microsoft.com/office/powerpoint/2015/main" val="1"/>
+                <p16:designElem xmlns:p16="http://schemas.microsoft.com/office/powerpoint/2015/main" val="1"/>
               </p:ext>
             </p:extLst>
           </p:nvPr>
@@ -4018,10 +4029,10 @@
           <p:cNvPr id="13" name="Rectangle 12">
             <a:extLst>
               <a:ext uri="{FF2B5EF4-FFF2-40B4-BE49-F238E27FC236}">
-                <a16:creationId xmlns="" xmlns:a16="http://schemas.microsoft.com/office/drawing/2014/main" id="{1F1FF39A-AC3C-4066-9D4C-519AA22812EA}"/>
+                <a16:creationId xmlns:a16="http://schemas.microsoft.com/office/drawing/2014/main" id="{1F1FF39A-AC3C-4066-9D4C-519AA22812EA}"/>
               </a:ext>
               <a:ext uri="{C183D7F6-B498-43B3-948B-1728B52AA6E4}">
-                <adec:decorative xmlns="" xmlns:adec="http://schemas.microsoft.com/office/drawing/2017/decorative" val="1"/>
+                <adec:decorative xmlns:adec="http://schemas.microsoft.com/office/drawing/2017/decorative" val="1"/>
               </a:ext>
             </a:extLst>
           </p:cNvPr>
@@ -4031,7 +4042,7 @@
           <p:nvPr>
             <p:extLst>
               <p:ext uri="{386F3935-93C4-4BCD-93E2-E3B085C9AB24}">
-                <p16:designElem xmlns="" xmlns:p16="http://schemas.microsoft.com/office/powerpoint/2015/main" val="1"/>
+                <p16:designElem xmlns:p16="http://schemas.microsoft.com/office/powerpoint/2015/main" val="1"/>
               </p:ext>
             </p:extLst>
           </p:nvPr>
@@ -4074,7 +4085,7 @@
           <p:cNvPr id="2" name="Title 1">
             <a:extLst>
               <a:ext uri="{FF2B5EF4-FFF2-40B4-BE49-F238E27FC236}">
-                <a16:creationId xmlns="" xmlns:a16="http://schemas.microsoft.com/office/drawing/2014/main" id="{014018EB-B0D4-44F6-92CD-380CD006D987}"/>
+                <a16:creationId xmlns:a16="http://schemas.microsoft.com/office/drawing/2014/main" id="{014018EB-B0D4-44F6-92CD-380CD006D987}"/>
               </a:ext>
             </a:extLst>
           </p:cNvPr>
@@ -4143,7 +4154,7 @@
           <a:lstStyle/>
           <a:p>
             <a:r>
-              <a:rPr lang="en-US" sz="2400" b="1" dirty="0" smtClean="0">
+              <a:rPr lang="en-US" sz="2400" b="1" dirty="0">
                 <a:solidFill>
                   <a:schemeClr val="bg1"/>
                 </a:solidFill>
@@ -4153,7 +4164,7 @@
           </a:p>
           <a:p>
             <a:r>
-              <a:rPr lang="en-US" sz="2000" b="1" dirty="0" smtClean="0">
+              <a:rPr lang="en-US" sz="2000" b="1" dirty="0">
                 <a:solidFill>
                   <a:schemeClr val="bg1"/>
                 </a:solidFill>
@@ -4163,25 +4174,20 @@
           </a:p>
           <a:p>
             <a:r>
-              <a:rPr lang="en-US" sz="2000" b="1" dirty="0" smtClean="0">
+              <a:rPr lang="en-US" sz="2000" b="1" dirty="0">
                 <a:solidFill>
                   <a:schemeClr val="bg1"/>
                 </a:solidFill>
               </a:rPr>
               <a:t>Spoorthi.S (01JST17IS062)</a:t>
             </a:r>
-            <a:endParaRPr lang="en-US" sz="2000" b="1" dirty="0">
-              <a:solidFill>
-                <a:schemeClr val="bg1"/>
-              </a:solidFill>
-            </a:endParaRPr>
           </a:p>
         </p:txBody>
       </p:sp>
     </p:spTree>
     <p:extLst>
       <p:ext uri="{BB962C8B-B14F-4D97-AF65-F5344CB8AC3E}">
-        <p14:creationId xmlns="" xmlns:p14="http://schemas.microsoft.com/office/powerpoint/2010/main" val="4148727387"/>
+        <p14:creationId xmlns:p14="http://schemas.microsoft.com/office/powerpoint/2010/main" val="4148727387"/>
       </p:ext>
     </p:extLst>
   </p:cSld>
@@ -4213,7 +4219,7 @@
           <p:cNvPr id="2" name="Title 1">
             <a:extLst>
               <a:ext uri="{FF2B5EF4-FFF2-40B4-BE49-F238E27FC236}">
-                <a16:creationId xmlns="" xmlns:a16="http://schemas.microsoft.com/office/drawing/2014/main" id="{106E71CC-6BDE-457B-8059-02BC1D5EE395}"/>
+                <a16:creationId xmlns:a16="http://schemas.microsoft.com/office/drawing/2014/main" id="{106E71CC-6BDE-457B-8059-02BC1D5EE395}"/>
               </a:ext>
             </a:extLst>
           </p:cNvPr>
@@ -4242,7 +4248,7 @@
           <p:cNvPr id="3" name="Content Placeholder 2">
             <a:extLst>
               <a:ext uri="{FF2B5EF4-FFF2-40B4-BE49-F238E27FC236}">
-                <a16:creationId xmlns="" xmlns:a16="http://schemas.microsoft.com/office/drawing/2014/main" id="{1658DF85-6D4A-423E-8792-513E9464EB64}"/>
+                <a16:creationId xmlns:a16="http://schemas.microsoft.com/office/drawing/2014/main" id="{1658DF85-6D4A-423E-8792-513E9464EB64}"/>
               </a:ext>
             </a:extLst>
           </p:cNvPr>
@@ -4268,52 +4274,34 @@
           <a:p>
             <a:r>
               <a:rPr lang="en-US" sz="2000" dirty="0"/>
-              <a:t>People tend to invest their money in multiple financial </a:t>
-            </a:r>
-            <a:r>
-              <a:rPr lang="en-US" sz="2000" dirty="0" smtClean="0"/>
-              <a:t>institutions because, </a:t>
-            </a:r>
+              <a:t>People tend to invest their money in multiple financial institutions because, depositing all the saved money in same investment platform may involve risk of losing the money and investing in different platform also gives them tax concessions.</a:t>
+            </a:r>
+          </a:p>
+          <a:p>
             <a:r>
               <a:rPr lang="en-US" sz="2000" dirty="0"/>
-              <a:t>depositing all the saved money in same investment platform may involve risk of losing the money and investing in different platform also gives them tax concessions.</a:t>
-            </a:r>
-          </a:p>
-          <a:p>
+              <a:t>People also have a lot of commitments like paying </a:t>
+            </a:r>
+            <a:r>
+              <a:rPr lang="en-US" sz="2000" dirty="0" err="1"/>
+              <a:t>rent,EMI’s</a:t>
+            </a:r>
             <a:r>
               <a:rPr lang="en-US" sz="2000" dirty="0"/>
-              <a:t>People </a:t>
-            </a:r>
-            <a:r>
-              <a:rPr lang="en-US" sz="2000" dirty="0" smtClean="0"/>
-              <a:t>also have a lot of commitments like paying EMI’s, loan interests, premiums, school/college fees of children etc.</a:t>
-            </a:r>
-            <a:endParaRPr lang="en-US" sz="2000" dirty="0"/>
-          </a:p>
-          <a:p>
-            <a:r>
-              <a:rPr lang="en-US" sz="2000" dirty="0" smtClean="0"/>
-              <a:t>Different </a:t>
-            </a:r>
+              <a:t>, loan interests, premiums, school/college fees of children etc.</a:t>
+            </a:r>
+          </a:p>
+          <a:p>
             <a:r>
               <a:rPr lang="en-US" sz="2000" dirty="0"/>
-              <a:t>government policies like Atal pension yojana have small investment amount and longer maturity time</a:t>
-            </a:r>
-            <a:r>
-              <a:rPr lang="en-US" sz="2000" dirty="0" smtClean="0"/>
-              <a:t>.</a:t>
-            </a:r>
-          </a:p>
-          <a:p>
-            <a:r>
-              <a:rPr lang="en-US" sz="2000" dirty="0" smtClean="0"/>
-              <a:t>Because of this it is difficult to keep track of their income, expenses and </a:t>
-            </a:r>
-            <a:r>
-              <a:rPr lang="en-US" sz="2000" smtClean="0"/>
-              <a:t>investments.</a:t>
-            </a:r>
-            <a:endParaRPr lang="en-US" sz="2000" dirty="0"/>
+              <a:t>Different government policies like Atal pension yojana have small investment amount and longer maturity time.</a:t>
+            </a:r>
+          </a:p>
+          <a:p>
+            <a:r>
+              <a:rPr lang="en-US" sz="2000" dirty="0"/>
+              <a:t>Because of this it is difficult to keep track of their income, expenses and investments.</a:t>
+            </a:r>
           </a:p>
           <a:p>
             <a:endParaRPr lang="kn-IN" sz="2000" dirty="0"/>
@@ -4323,7 +4311,7 @@
     </p:spTree>
     <p:extLst>
       <p:ext uri="{BB962C8B-B14F-4D97-AF65-F5344CB8AC3E}">
-        <p14:creationId xmlns="" xmlns:p14="http://schemas.microsoft.com/office/powerpoint/2010/main" val="2318894735"/>
+        <p14:creationId xmlns:p14="http://schemas.microsoft.com/office/powerpoint/2010/main" val="2318894735"/>
       </p:ext>
     </p:extLst>
   </p:cSld>
@@ -4355,7 +4343,7 @@
           <p:cNvPr id="2" name="Title 1">
             <a:extLst>
               <a:ext uri="{FF2B5EF4-FFF2-40B4-BE49-F238E27FC236}">
-                <a16:creationId xmlns="" xmlns:a16="http://schemas.microsoft.com/office/drawing/2014/main" id="{20F0E6FA-E175-49AC-8877-C73D889547AA}"/>
+                <a16:creationId xmlns:a16="http://schemas.microsoft.com/office/drawing/2014/main" id="{20F0E6FA-E175-49AC-8877-C73D889547AA}"/>
               </a:ext>
             </a:extLst>
           </p:cNvPr>
@@ -4372,7 +4360,7 @@
           <a:lstStyle/>
           <a:p>
             <a:r>
-              <a:rPr lang="en-US" dirty="0" smtClean="0"/>
+              <a:rPr lang="en-US" dirty="0"/>
               <a:t>Advantages of proposed system:</a:t>
             </a:r>
             <a:endParaRPr lang="kn-IN" dirty="0"/>
@@ -4384,7 +4372,7 @@
           <p:cNvPr id="3" name="Content Placeholder 2">
             <a:extLst>
               <a:ext uri="{FF2B5EF4-FFF2-40B4-BE49-F238E27FC236}">
-                <a16:creationId xmlns="" xmlns:a16="http://schemas.microsoft.com/office/drawing/2014/main" id="{A2827B00-533F-4BE7-B7F0-4053EE0BE287}"/>
+                <a16:creationId xmlns:a16="http://schemas.microsoft.com/office/drawing/2014/main" id="{A2827B00-533F-4BE7-B7F0-4053EE0BE287}"/>
               </a:ext>
             </a:extLst>
           </p:cNvPr>
@@ -4408,71 +4396,29 @@
           <a:lstStyle/>
           <a:p>
             <a:r>
-              <a:rPr lang="en-US" sz="2000" dirty="0" smtClean="0"/>
-              <a:t>Users </a:t>
-            </a:r>
-            <a:r>
               <a:rPr lang="en-US" sz="2000" dirty="0"/>
-              <a:t>can set periodic reminders based on their requirement.</a:t>
+              <a:t>Users can set periodic reminders based on their requirement.</a:t>
             </a:r>
           </a:p>
           <a:p>
             <a:r>
               <a:rPr lang="en-US" sz="2000" dirty="0"/>
-              <a:t>They can also store images like bonds related to the </a:t>
-            </a:r>
-            <a:r>
-              <a:rPr lang="en-US" sz="2000" dirty="0" smtClean="0"/>
-              <a:t>reminder.</a:t>
-            </a:r>
-            <a:endParaRPr lang="en-US" sz="2000" dirty="0"/>
+              <a:t>They can also store images like bonds related to the reminder.</a:t>
+            </a:r>
           </a:p>
           <a:p>
             <a:r>
               <a:rPr lang="en-US" sz="2000" dirty="0"/>
-              <a:t>Users can calculate </a:t>
-            </a:r>
-            <a:r>
-              <a:rPr lang="en-US" sz="2000" dirty="0" smtClean="0"/>
-              <a:t>their total income and expenditure over particular </a:t>
-            </a:r>
+              <a:t>Users can calculate their total income and expenditure over particular time period specified by them. By providing a current balance they can also find out the amount they would have after a certain interval of time like after a year or 10 years etc.</a:t>
+            </a:r>
+          </a:p>
+          <a:p>
             <a:r>
               <a:rPr lang="en-US" sz="2000" dirty="0"/>
-              <a:t>time period </a:t>
-            </a:r>
-            <a:r>
-              <a:rPr lang="en-US" sz="2000" dirty="0" smtClean="0"/>
-              <a:t>specified </a:t>
-            </a:r>
-            <a:r>
-              <a:rPr lang="en-US" sz="2000" dirty="0"/>
-              <a:t>by </a:t>
-            </a:r>
-            <a:r>
-              <a:rPr lang="en-US" sz="2000" dirty="0" smtClean="0"/>
-              <a:t>them. By providing a current balance they can also find out the amount they would have after a certain interval of time like after a year or 10 years etc.</a:t>
-            </a:r>
-            <a:endParaRPr lang="en-US" sz="2000" dirty="0"/>
-          </a:p>
-          <a:p>
-            <a:r>
-              <a:rPr lang="en-US" sz="2000" dirty="0"/>
-              <a:t>Users can set </a:t>
-            </a:r>
-            <a:r>
-              <a:rPr lang="en-US" sz="2000" dirty="0" smtClean="0"/>
-              <a:t>one-time </a:t>
-            </a:r>
-            <a:r>
-              <a:rPr lang="en-US" sz="2000" dirty="0"/>
-              <a:t>reminders </a:t>
-            </a:r>
-            <a:r>
-              <a:rPr lang="en-US" sz="2000" dirty="0" smtClean="0"/>
-              <a:t>by providing end date same as start date and ignoring the </a:t>
-            </a:r>
-            <a:r>
-              <a:rPr lang="en-US" sz="2000" smtClean="0"/>
+              <a:t>Users can set one-time reminders by providing end date same as start date and ignoring the </a:t>
+            </a:r>
+            <a:r>
+              <a:rPr lang="en-US" sz="2000"/>
               <a:t>interval values.</a:t>
             </a:r>
             <a:endParaRPr lang="en-US" sz="2000" dirty="0"/>
@@ -4482,7 +4428,7 @@
     </p:spTree>
     <p:extLst>
       <p:ext uri="{BB962C8B-B14F-4D97-AF65-F5344CB8AC3E}">
-        <p14:creationId xmlns="" xmlns:p14="http://schemas.microsoft.com/office/powerpoint/2010/main" val="1522183498"/>
+        <p14:creationId xmlns:p14="http://schemas.microsoft.com/office/powerpoint/2010/main" val="1522183498"/>
       </p:ext>
     </p:extLst>
   </p:cSld>
@@ -4514,7 +4460,7 @@
           <p:cNvPr id="3" name="Content Placeholder 2">
             <a:extLst>
               <a:ext uri="{FF2B5EF4-FFF2-40B4-BE49-F238E27FC236}">
-                <a16:creationId xmlns="" xmlns:a16="http://schemas.microsoft.com/office/drawing/2014/main" id="{D3B18B3F-EE85-4ADF-B5B1-2E453F00C5B9}"/>
+                <a16:creationId xmlns:a16="http://schemas.microsoft.com/office/drawing/2014/main" id="{D3B18B3F-EE85-4ADF-B5B1-2E453F00C5B9}"/>
               </a:ext>
             </a:extLst>
           </p:cNvPr>
@@ -4537,29 +4483,13 @@
           <a:p>
             <a:r>
               <a:rPr lang="en-US" sz="2000" dirty="0"/>
-              <a:t>I</a:t>
-            </a:r>
-            <a:r>
-              <a:rPr lang="en-US" sz="2000" dirty="0" smtClean="0"/>
-              <a:t>ncremental </a:t>
-            </a:r>
+              <a:t>Incremental model.</a:t>
+            </a:r>
+          </a:p>
+          <a:p>
             <a:r>
               <a:rPr lang="en-US" sz="2000" dirty="0"/>
-              <a:t>model.</a:t>
-            </a:r>
-          </a:p>
-          <a:p>
-            <a:r>
-              <a:rPr lang="en-US" sz="2000" dirty="0"/>
-              <a:t>Firebase </a:t>
-            </a:r>
-            <a:r>
-              <a:rPr lang="en-US" sz="2000" dirty="0" smtClean="0"/>
-              <a:t>realtime </a:t>
-            </a:r>
-            <a:r>
-              <a:rPr lang="en-US" sz="2000" dirty="0"/>
-              <a:t>database.</a:t>
+              <a:t>Firebase realtime database.</a:t>
             </a:r>
           </a:p>
           <a:p>
@@ -4588,7 +4518,7 @@
     </p:spTree>
     <p:extLst>
       <p:ext uri="{BB962C8B-B14F-4D97-AF65-F5344CB8AC3E}">
-        <p14:creationId xmlns="" xmlns:p14="http://schemas.microsoft.com/office/powerpoint/2010/main" val="303119902"/>
+        <p14:creationId xmlns:p14="http://schemas.microsoft.com/office/powerpoint/2010/main" val="303119902"/>
       </p:ext>
     </p:extLst>
   </p:cSld>
@@ -4620,7 +4550,7 @@
           <p:cNvPr id="2" name="Title 1">
             <a:extLst>
               <a:ext uri="{FF2B5EF4-FFF2-40B4-BE49-F238E27FC236}">
-                <a16:creationId xmlns="" xmlns:a16="http://schemas.microsoft.com/office/drawing/2014/main" id="{641496CA-57DE-4A1A-B2CD-F9F85A50B64D}"/>
+                <a16:creationId xmlns:a16="http://schemas.microsoft.com/office/drawing/2014/main" id="{641496CA-57DE-4A1A-B2CD-F9F85A50B64D}"/>
               </a:ext>
             </a:extLst>
           </p:cNvPr>
@@ -4649,7 +4579,7 @@
           <p:cNvPr id="3" name="Content Placeholder 2">
             <a:extLst>
               <a:ext uri="{FF2B5EF4-FFF2-40B4-BE49-F238E27FC236}">
-                <a16:creationId xmlns="" xmlns:a16="http://schemas.microsoft.com/office/drawing/2014/main" id="{3DD7687F-299E-4AA0-92FA-B7C4DA4EC790}"/>
+                <a16:creationId xmlns:a16="http://schemas.microsoft.com/office/drawing/2014/main" id="{3DD7687F-299E-4AA0-92FA-B7C4DA4EC790}"/>
               </a:ext>
             </a:extLst>
           </p:cNvPr>
@@ -4673,20 +4603,20 @@
           <a:lstStyle/>
           <a:p>
             <a:r>
-              <a:rPr lang="en-US" sz="2000" dirty="0" smtClean="0"/>
+              <a:rPr lang="en-US" sz="2000" dirty="0"/>
               <a:t>A search bar can be added in order to search through the reminders and also tags can be added to filter the reminders based on categories like FD, premium, income, expense.</a:t>
             </a:r>
           </a:p>
           <a:p>
             <a:r>
-              <a:rPr lang="en-US" sz="2000" dirty="0" smtClean="0"/>
+              <a:rPr lang="en-US" sz="2000" dirty="0"/>
               <a:t>Using the bank balance provided by the user, they should be warned whenever the addition of a new commitment(reminder) results in a balance below their specified limit. The app should also suggest investment options when the balance exceeds a certain value.</a:t>
             </a:r>
           </a:p>
           <a:p>
             <a:r>
-              <a:rPr lang="en-US" sz="2000" dirty="0" smtClean="0"/>
-              <a:t>We could also create another app that can be used by financial institutions to advertise their investment plans to the users. The users should be able to view and select plans suitable to their requirements.</a:t>
+              <a:rPr lang="en-US" sz="2000" dirty="0"/>
+              <a:t>We can also add another feature that can be used by financial institutions to advertise their investment plans to the users. The users should be able to view and select plans suitable to their requirements.</a:t>
             </a:r>
           </a:p>
         </p:txBody>
@@ -4694,7 +4624,7 @@
     </p:spTree>
     <p:extLst>
       <p:ext uri="{BB962C8B-B14F-4D97-AF65-F5344CB8AC3E}">
-        <p14:creationId xmlns="" xmlns:p14="http://schemas.microsoft.com/office/powerpoint/2010/main" val="3896178327"/>
+        <p14:creationId xmlns:p14="http://schemas.microsoft.com/office/powerpoint/2010/main" val="3896178327"/>
       </p:ext>
     </p:extLst>
   </p:cSld>
@@ -4726,7 +4656,7 @@
           <p:cNvPr id="3" name="Content Placeholder 2">
             <a:extLst>
               <a:ext uri="{FF2B5EF4-FFF2-40B4-BE49-F238E27FC236}">
-                <a16:creationId xmlns="" xmlns:a16="http://schemas.microsoft.com/office/drawing/2014/main" id="{5D764D73-2D98-4DE7-AF70-FDAD98BF5067}"/>
+                <a16:creationId xmlns:a16="http://schemas.microsoft.com/office/drawing/2014/main" id="{5D764D73-2D98-4DE7-AF70-FDAD98BF5067}"/>
               </a:ext>
             </a:extLst>
           </p:cNvPr>
@@ -4763,7 +4693,7 @@
     </p:spTree>
     <p:extLst>
       <p:ext uri="{BB962C8B-B14F-4D97-AF65-F5344CB8AC3E}">
-        <p14:creationId xmlns="" xmlns:p14="http://schemas.microsoft.com/office/powerpoint/2010/main" val="2643689593"/>
+        <p14:creationId xmlns:p14="http://schemas.microsoft.com/office/powerpoint/2010/main" val="2643689593"/>
       </p:ext>
     </p:extLst>
   </p:cSld>
@@ -5036,7 +4966,7 @@
   <a:extraClrSchemeLst/>
   <a:extLst>
     <a:ext uri="{05A4C25C-085E-4340-85A3-A5531E510DB2}">
-      <thm15:themeFamily xmlns="" xmlns:thm15="http://schemas.microsoft.com/office/thememl/2012/main" name="DividendVTI" id="{97558BDE-0B66-457C-BB6F-7B1B22DAA9B8}" vid="{F53508A3-AC60-448A-AF37-934D5F1A0D5E}"/>
+      <thm15:themeFamily xmlns:thm15="http://schemas.microsoft.com/office/thememl/2012/main" name="DividendVTI" id="{97558BDE-0B66-457C-BB6F-7B1B22DAA9B8}" vid="{F53508A3-AC60-448A-AF37-934D5F1A0D5E}"/>
     </a:ext>
   </a:extLst>
 </a:theme>
